--- a/Week 2 -- mixed-effects/Lecture 2/Lecture 2 -- Mixed-effects models.pptx
+++ b/Week 2 -- mixed-effects/Lecture 2/Lecture 2 -- Mixed-effects models.pptx
@@ -215,7 +215,7 @@
           <a:p>
             <a:fld id="{1522831B-4FE3-4D45-950B-0D2C6BB2DD76}" type="datetimeFigureOut">
               <a:rPr lang="en-US" smtClean="0"/>
-              <a:t>4/2/2018</a:t>
+              <a:t>4/3/2018</a:t>
             </a:fld>
             <a:endParaRPr lang="en-US"/>
           </a:p>
@@ -3502,6 +3502,83 @@
               <a:t>1</a:t>
             </a:fld>
             <a:endParaRPr lang="en-US" dirty="0"/>
+          </a:p>
+        </p:txBody>
+      </p:sp>
+      <p:sp>
+        <p:nvSpPr>
+          <p:cNvPr id="5" name="TextBox 4"/>
+          <p:cNvSpPr txBox="1"/>
+          <p:nvPr/>
+        </p:nvSpPr>
+        <p:spPr>
+          <a:xfrm>
+            <a:off x="2104845" y="4762500"/>
+            <a:ext cx="5753818" cy="1754326"/>
+          </a:xfrm>
+          <a:prstGeom prst="rect">
+            <a:avLst/>
+          </a:prstGeom>
+          <a:noFill/>
+        </p:spPr>
+        <p:txBody>
+          <a:bodyPr wrap="square" rtlCol="0">
+            <a:spAutoFit/>
+          </a:bodyPr>
+          <a:lstStyle/>
+          <a:p>
+            <a:r>
+              <a:rPr lang="en-US" dirty="0"/>
+              <a:t>L</a:t>
+            </a:r>
+            <a:r>
+              <a:rPr lang="en-US" dirty="0" smtClean="0"/>
+              <a:t>earning goals:</a:t>
+            </a:r>
+          </a:p>
+          <a:p>
+            <a:pPr marL="342900" indent="-342900">
+              <a:buAutoNum type="arabicPeriod"/>
+            </a:pPr>
+            <a:r>
+              <a:rPr lang="en-US" dirty="0" smtClean="0"/>
+              <a:t>Learn why maximum marginal likelihood useful</a:t>
+            </a:r>
+          </a:p>
+          <a:p>
+            <a:pPr marL="342900" indent="-342900">
+              <a:buAutoNum type="arabicPeriod"/>
+            </a:pPr>
+            <a:r>
+              <a:rPr lang="en-US" dirty="0" smtClean="0"/>
+              <a:t>Learn why Stein’s paradox is a paradox</a:t>
+            </a:r>
+          </a:p>
+          <a:p>
+            <a:pPr marL="342900" indent="-342900">
+              <a:buAutoNum type="arabicPeriod"/>
+            </a:pPr>
+            <a:r>
+              <a:rPr lang="en-US" dirty="0" smtClean="0"/>
+              <a:t>Learn what is </a:t>
+            </a:r>
+            <a:r>
+              <a:rPr lang="en-US" dirty="0" err="1" smtClean="0"/>
+              <a:t>shrinkinage</a:t>
+            </a:r>
+            <a:endParaRPr lang="en-US" dirty="0" smtClean="0"/>
+          </a:p>
+          <a:p>
+            <a:pPr marL="342900" indent="-342900">
+              <a:buAutoNum type="arabicPeriod"/>
+            </a:pPr>
+            <a:endParaRPr lang="en-US" dirty="0" smtClean="0"/>
+          </a:p>
+          <a:p>
+            <a:pPr marL="342900" indent="-342900">
+              <a:buAutoNum type="arabicPeriod"/>
+            </a:pPr>
+            <a:endParaRPr lang="en-GB" dirty="0"/>
           </a:p>
         </p:txBody>
       </p:sp>
@@ -5756,8 +5833,8 @@
           </a:p>
         </p:txBody>
       </p:sp>
-      <mc:AlternateContent xmlns:mc="http://schemas.openxmlformats.org/markup-compatibility/2006">
-        <mc:Choice xmlns:a14="http://schemas.microsoft.com/office/drawing/2010/main" Requires="a14">
+      <mc:AlternateContent xmlns:mc="http://schemas.openxmlformats.org/markup-compatibility/2006" xmlns:a14="http://schemas.microsoft.com/office/drawing/2010/main">
+        <mc:Choice Requires="a14">
           <p:sp>
             <p:nvSpPr>
               <p:cNvPr id="3" name="Content Placeholder 2"/>
@@ -5789,7 +5866,6 @@
                   <a:rPr lang="en-US" dirty="0" smtClean="0"/>
                   <a:t>The definition of a marginal likelihood</a:t>
                 </a:r>
-                <a:endParaRPr lang="en-US" dirty="0" smtClean="0"/>
               </a:p>
               <a:p>
                 <a:pPr marL="0" indent="0">
@@ -5923,7 +5999,7 @@
                                 <m:dPr>
                                   <m:ctrlPr>
                                     <a:rPr lang="en-US" i="1">
-                                      <a:latin typeface="Cambria Math"/>
+                                      <a:latin typeface="Cambria Math" panose="02040503050406030204" pitchFamily="18" charset="0"/>
                                       <a:ea typeface="Cambria Math"/>
                                     </a:rPr>
                                   </m:ctrlPr>
@@ -7031,7 +7107,7 @@
             </p:txBody>
           </p:sp>
         </mc:Choice>
-        <mc:Fallback>
+        <mc:Fallback xmlns="">
           <p:sp>
             <p:nvSpPr>
               <p:cNvPr id="3" name="Content Placeholder 2"/>
@@ -9409,8 +9485,8 @@
           </a:p>
         </p:txBody>
       </p:sp>
-      <mc:AlternateContent xmlns:mc="http://schemas.openxmlformats.org/markup-compatibility/2006" xmlns:a14="http://schemas.microsoft.com/office/drawing/2010/main">
-        <mc:Choice Requires="a14">
+      <mc:AlternateContent xmlns:mc="http://schemas.openxmlformats.org/markup-compatibility/2006">
+        <mc:Choice xmlns:a14="http://schemas.microsoft.com/office/drawing/2010/main" Requires="a14">
           <p:sp>
             <p:nvSpPr>
               <p:cNvPr id="3" name="Content Placeholder 2"/>
@@ -9439,8 +9515,13 @@
               <a:p>
                 <a:r>
                   <a:rPr lang="en-US" dirty="0" smtClean="0"/>
-                  <a:t>Estimated random effects are weighted average of:</a:t>
+                  <a:t>Estimated random effects are weighted average </a:t>
                 </a:r>
+                <a:r>
+                  <a:rPr lang="en-US" dirty="0" smtClean="0"/>
+                  <a:t>of global mean and group mean</a:t>
+                </a:r>
+                <a:endParaRPr lang="en-US" dirty="0" smtClean="0"/>
               </a:p>
               <a:p>
                 <a:pPr lvl="1"/>
@@ -10292,7 +10373,7 @@
             </p:txBody>
           </p:sp>
         </mc:Choice>
-        <mc:Fallback xmlns="">
+        <mc:Fallback>
           <p:sp>
             <p:nvSpPr>
               <p:cNvPr id="3" name="Content Placeholder 2"/>
@@ -10336,6 +10417,13 @@
   <p:clrMapOvr>
     <a:masterClrMapping/>
   </p:clrMapOvr>
+  <p:timing>
+    <p:tnLst>
+      <p:par>
+        <p:cTn id="1" dur="indefinite" restart="never" nodeType="tmRoot"/>
+      </p:par>
+    </p:tnLst>
+  </p:timing>
 </p:sld>
 </file>
 
@@ -10435,6 +10523,13 @@
   <p:clrMapOvr>
     <a:masterClrMapping/>
   </p:clrMapOvr>
+  <p:timing>
+    <p:tnLst>
+      <p:par>
+        <p:cTn id="1" dur="indefinite" restart="never" nodeType="tmRoot"/>
+      </p:par>
+    </p:tnLst>
+  </p:timing>
 </p:sld>
 </file>
 
@@ -12164,7 +12259,270 @@
   <p:timing>
     <p:tnLst>
       <p:par>
-        <p:cTn id="1" dur="indefinite" restart="never" nodeType="tmRoot"/>
+        <p:cTn id="1" dur="indefinite" restart="never" nodeType="tmRoot">
+          <p:childTnLst>
+            <p:seq concurrent="1" nextAc="seek">
+              <p:cTn id="2" dur="indefinite" nodeType="mainSeq">
+                <p:childTnLst>
+                  <p:par>
+                    <p:cTn id="3" fill="hold">
+                      <p:stCondLst>
+                        <p:cond delay="indefinite"/>
+                      </p:stCondLst>
+                      <p:childTnLst>
+                        <p:par>
+                          <p:cTn id="4" fill="hold">
+                            <p:stCondLst>
+                              <p:cond delay="0"/>
+                            </p:stCondLst>
+                            <p:childTnLst>
+                              <p:par>
+                                <p:cTn id="5" presetID="1" presetClass="entr" presetSubtype="0" fill="hold" nodeType="clickEffect">
+                                  <p:stCondLst>
+                                    <p:cond delay="0"/>
+                                  </p:stCondLst>
+                                  <p:childTnLst>
+                                    <p:set>
+                                      <p:cBhvr>
+                                        <p:cTn id="6" dur="1" fill="hold">
+                                          <p:stCondLst>
+                                            <p:cond delay="0"/>
+                                          </p:stCondLst>
+                                        </p:cTn>
+                                        <p:tgtEl>
+                                          <p:spTgt spid="3">
+                                            <p:txEl>
+                                              <p:pRg st="3" end="3"/>
+                                            </p:txEl>
+                                          </p:spTgt>
+                                        </p:tgtEl>
+                                        <p:attrNameLst>
+                                          <p:attrName>style.visibility</p:attrName>
+                                        </p:attrNameLst>
+                                      </p:cBhvr>
+                                      <p:to>
+                                        <p:strVal val="visible"/>
+                                      </p:to>
+                                    </p:set>
+                                  </p:childTnLst>
+                                </p:cTn>
+                              </p:par>
+                              <p:par>
+                                <p:cTn id="7" presetID="1" presetClass="entr" presetSubtype="0" fill="hold" nodeType="withEffect">
+                                  <p:stCondLst>
+                                    <p:cond delay="0"/>
+                                  </p:stCondLst>
+                                  <p:childTnLst>
+                                    <p:set>
+                                      <p:cBhvr>
+                                        <p:cTn id="8" dur="1" fill="hold">
+                                          <p:stCondLst>
+                                            <p:cond delay="0"/>
+                                          </p:stCondLst>
+                                        </p:cTn>
+                                        <p:tgtEl>
+                                          <p:spTgt spid="3">
+                                            <p:txEl>
+                                              <p:pRg st="4" end="4"/>
+                                            </p:txEl>
+                                          </p:spTgt>
+                                        </p:tgtEl>
+                                        <p:attrNameLst>
+                                          <p:attrName>style.visibility</p:attrName>
+                                        </p:attrNameLst>
+                                      </p:cBhvr>
+                                      <p:to>
+                                        <p:strVal val="visible"/>
+                                      </p:to>
+                                    </p:set>
+                                  </p:childTnLst>
+                                </p:cTn>
+                              </p:par>
+                            </p:childTnLst>
+                          </p:cTn>
+                        </p:par>
+                      </p:childTnLst>
+                    </p:cTn>
+                  </p:par>
+                  <p:par>
+                    <p:cTn id="9" fill="hold">
+                      <p:stCondLst>
+                        <p:cond delay="indefinite"/>
+                      </p:stCondLst>
+                      <p:childTnLst>
+                        <p:par>
+                          <p:cTn id="10" fill="hold">
+                            <p:stCondLst>
+                              <p:cond delay="0"/>
+                            </p:stCondLst>
+                            <p:childTnLst>
+                              <p:par>
+                                <p:cTn id="11" presetID="1" presetClass="entr" presetSubtype="0" fill="hold" nodeType="clickEffect">
+                                  <p:stCondLst>
+                                    <p:cond delay="0"/>
+                                  </p:stCondLst>
+                                  <p:childTnLst>
+                                    <p:set>
+                                      <p:cBhvr>
+                                        <p:cTn id="12" dur="1" fill="hold">
+                                          <p:stCondLst>
+                                            <p:cond delay="0"/>
+                                          </p:stCondLst>
+                                        </p:cTn>
+                                        <p:tgtEl>
+                                          <p:spTgt spid="3">
+                                            <p:txEl>
+                                              <p:pRg st="5" end="5"/>
+                                            </p:txEl>
+                                          </p:spTgt>
+                                        </p:tgtEl>
+                                        <p:attrNameLst>
+                                          <p:attrName>style.visibility</p:attrName>
+                                        </p:attrNameLst>
+                                      </p:cBhvr>
+                                      <p:to>
+                                        <p:strVal val="visible"/>
+                                      </p:to>
+                                    </p:set>
+                                  </p:childTnLst>
+                                </p:cTn>
+                              </p:par>
+                              <p:par>
+                                <p:cTn id="13" presetID="1" presetClass="entr" presetSubtype="0" fill="hold" nodeType="withEffect">
+                                  <p:stCondLst>
+                                    <p:cond delay="0"/>
+                                  </p:stCondLst>
+                                  <p:childTnLst>
+                                    <p:set>
+                                      <p:cBhvr>
+                                        <p:cTn id="14" dur="1" fill="hold">
+                                          <p:stCondLst>
+                                            <p:cond delay="0"/>
+                                          </p:stCondLst>
+                                        </p:cTn>
+                                        <p:tgtEl>
+                                          <p:spTgt spid="3">
+                                            <p:txEl>
+                                              <p:pRg st="6" end="6"/>
+                                            </p:txEl>
+                                          </p:spTgt>
+                                        </p:tgtEl>
+                                        <p:attrNameLst>
+                                          <p:attrName>style.visibility</p:attrName>
+                                        </p:attrNameLst>
+                                      </p:cBhvr>
+                                      <p:to>
+                                        <p:strVal val="visible"/>
+                                      </p:to>
+                                    </p:set>
+                                  </p:childTnLst>
+                                </p:cTn>
+                              </p:par>
+                            </p:childTnLst>
+                          </p:cTn>
+                        </p:par>
+                      </p:childTnLst>
+                    </p:cTn>
+                  </p:par>
+                  <p:par>
+                    <p:cTn id="15" fill="hold">
+                      <p:stCondLst>
+                        <p:cond delay="indefinite"/>
+                      </p:stCondLst>
+                      <p:childTnLst>
+                        <p:par>
+                          <p:cTn id="16" fill="hold">
+                            <p:stCondLst>
+                              <p:cond delay="0"/>
+                            </p:stCondLst>
+                            <p:childTnLst>
+                              <p:par>
+                                <p:cTn id="17" presetID="1" presetClass="entr" presetSubtype="0" fill="hold" nodeType="clickEffect">
+                                  <p:stCondLst>
+                                    <p:cond delay="0"/>
+                                  </p:stCondLst>
+                                  <p:childTnLst>
+                                    <p:set>
+                                      <p:cBhvr>
+                                        <p:cTn id="18" dur="1" fill="hold">
+                                          <p:stCondLst>
+                                            <p:cond delay="0"/>
+                                          </p:stCondLst>
+                                        </p:cTn>
+                                        <p:tgtEl>
+                                          <p:spTgt spid="3">
+                                            <p:txEl>
+                                              <p:pRg st="7" end="7"/>
+                                            </p:txEl>
+                                          </p:spTgt>
+                                        </p:tgtEl>
+                                        <p:attrNameLst>
+                                          <p:attrName>style.visibility</p:attrName>
+                                        </p:attrNameLst>
+                                      </p:cBhvr>
+                                      <p:to>
+                                        <p:strVal val="visible"/>
+                                      </p:to>
+                                    </p:set>
+                                  </p:childTnLst>
+                                </p:cTn>
+                              </p:par>
+                              <p:par>
+                                <p:cTn id="19" presetID="1" presetClass="entr" presetSubtype="0" fill="hold" nodeType="withEffect">
+                                  <p:stCondLst>
+                                    <p:cond delay="0"/>
+                                  </p:stCondLst>
+                                  <p:childTnLst>
+                                    <p:set>
+                                      <p:cBhvr>
+                                        <p:cTn id="20" dur="1" fill="hold">
+                                          <p:stCondLst>
+                                            <p:cond delay="0"/>
+                                          </p:stCondLst>
+                                        </p:cTn>
+                                        <p:tgtEl>
+                                          <p:spTgt spid="3">
+                                            <p:txEl>
+                                              <p:pRg st="8" end="8"/>
+                                            </p:txEl>
+                                          </p:spTgt>
+                                        </p:tgtEl>
+                                        <p:attrNameLst>
+                                          <p:attrName>style.visibility</p:attrName>
+                                        </p:attrNameLst>
+                                      </p:cBhvr>
+                                      <p:to>
+                                        <p:strVal val="visible"/>
+                                      </p:to>
+                                    </p:set>
+                                  </p:childTnLst>
+                                </p:cTn>
+                              </p:par>
+                            </p:childTnLst>
+                          </p:cTn>
+                        </p:par>
+                      </p:childTnLst>
+                    </p:cTn>
+                  </p:par>
+                </p:childTnLst>
+              </p:cTn>
+              <p:prevCondLst>
+                <p:cond evt="onPrev" delay="0">
+                  <p:tgtEl>
+                    <p:sldTgt/>
+                  </p:tgtEl>
+                </p:cond>
+              </p:prevCondLst>
+              <p:nextCondLst>
+                <p:cond evt="onNext" delay="0">
+                  <p:tgtEl>
+                    <p:sldTgt/>
+                  </p:tgtEl>
+                </p:cond>
+              </p:nextCondLst>
+            </p:seq>
+          </p:childTnLst>
+        </p:cTn>
       </p:par>
     </p:tnLst>
   </p:timing>
